--- a/Drivers_barriers.pptx
+++ b/Drivers_barriers.pptx
@@ -1147,13 +1147,13 @@
   <p:clrMapOvr>
     <a:masterClrMapping/>
   </p:clrMapOvr>
-  <mc:AlternateContent xmlns:mc="http://schemas.openxmlformats.org/markup-compatibility/2006">
-    <mc:Choice xmlns:p14="http://schemas.microsoft.com/office/powerpoint/2010/main" Requires="p14">
+  <mc:AlternateContent xmlns:mc="http://schemas.openxmlformats.org/markup-compatibility/2006" xmlns:p14="http://schemas.microsoft.com/office/powerpoint/2010/main">
+    <mc:Choice Requires="p14">
       <p:transition spd="med" p14:dur="700">
         <p:fade/>
       </p:transition>
     </mc:Choice>
-    <mc:Fallback>
+    <mc:Fallback xmlns="">
       <p:transition spd="med">
         <p:fade/>
       </p:transition>
@@ -1895,35 +1895,6 @@
       </p:grpSpPr>
       <p:sp>
         <p:nvSpPr>
-          <p:cNvPr id="2" name="Text Placeholder 1">
-            <a:extLst>
-              <a:ext uri="{FF2B5EF4-FFF2-40B4-BE49-F238E27FC236}">
-                <a16:creationId xmlns:a16="http://schemas.microsoft.com/office/drawing/2014/main" id="{8740C41A-70C2-782F-D51A-94CF0C5D9D86}"/>
-              </a:ext>
-            </a:extLst>
-          </p:cNvPr>
-          <p:cNvSpPr>
-            <a:spLocks noGrp="1"/>
-          </p:cNvSpPr>
-          <p:nvPr>
-            <p:ph type="body" sz="quarter" idx="10"/>
-          </p:nvPr>
-        </p:nvSpPr>
-        <p:spPr/>
-        <p:txBody>
-          <a:bodyPr/>
-          <a:lstStyle/>
-          <a:p>
-            <a:r>
-              <a:rPr lang="en-US" dirty="0" err="1"/>
-              <a:t>Slide_subtitle</a:t>
-            </a:r>
-            <a:endParaRPr lang="en-US" dirty="0"/>
-          </a:p>
-        </p:txBody>
-      </p:sp>
-      <p:sp>
-        <p:nvSpPr>
           <p:cNvPr id="3" name="Title 2">
             <a:extLst>
               <a:ext uri="{FF2B5EF4-FFF2-40B4-BE49-F238E27FC236}">
@@ -1938,7 +1909,12 @@
             <p:ph type="title"/>
           </p:nvPr>
         </p:nvSpPr>
-        <p:spPr/>
+        <p:spPr>
+          <a:xfrm>
+            <a:off x="632460" y="63302"/>
+            <a:ext cx="10927080" cy="731520"/>
+          </a:xfrm>
+        </p:spPr>
         <p:txBody>
           <a:bodyPr/>
           <a:lstStyle/>
@@ -1967,15 +1943,90 @@
             <p:ph type="body" sz="quarter" idx="11"/>
           </p:nvPr>
         </p:nvSpPr>
-        <p:spPr/>
+        <p:spPr>
+          <a:xfrm>
+            <a:off x="741405" y="1488597"/>
+            <a:ext cx="3298783" cy="4402137"/>
+          </a:xfrm>
+        </p:spPr>
         <p:txBody>
           <a:bodyPr/>
           <a:lstStyle/>
           <a:p>
+            <a:pPr marL="171450" indent="-171450">
+              <a:buFont typeface="Arial" panose="020B0604020202020204" pitchFamily="34" charset="0"/>
+              <a:buChar char="•"/>
+            </a:pPr>
             <a:r>
               <a:rPr lang="en-US" dirty="0" err="1"/>
               <a:t>Drivers_bullets</a:t>
             </a:r>
+            <a:r>
+              <a:rPr lang="en-US" dirty="0"/>
+              <a:t> quick brown fox jumped over the lazy dog yes it did, it jumped right over that lazy dog</a:t>
+            </a:r>
+          </a:p>
+          <a:p>
+            <a:pPr marL="171450" indent="-171450">
+              <a:buFont typeface="Arial" panose="020B0604020202020204" pitchFamily="34" charset="0"/>
+              <a:buChar char="•"/>
+            </a:pPr>
+            <a:r>
+              <a:rPr lang="en-US" dirty="0" err="1"/>
+              <a:t>Drivers_bullets</a:t>
+            </a:r>
+            <a:r>
+              <a:rPr lang="en-US" dirty="0"/>
+              <a:t> quick brown fox jumped over the lazy dog yes it did, it jumped right over that lazy dog</a:t>
+            </a:r>
+          </a:p>
+          <a:p>
+            <a:pPr marL="171450" indent="-171450">
+              <a:buFont typeface="Arial" panose="020B0604020202020204" pitchFamily="34" charset="0"/>
+              <a:buChar char="•"/>
+            </a:pPr>
+            <a:r>
+              <a:rPr lang="en-US" dirty="0" err="1"/>
+              <a:t>Drivers_bullets</a:t>
+            </a:r>
+            <a:r>
+              <a:rPr lang="en-US" dirty="0"/>
+              <a:t> quick brown fox jumped over the lazy dog yes it did, it jumped right over that lazy dog</a:t>
+            </a:r>
+          </a:p>
+          <a:p>
+            <a:pPr marL="171450" indent="-171450">
+              <a:buFont typeface="Arial" panose="020B0604020202020204" pitchFamily="34" charset="0"/>
+              <a:buChar char="•"/>
+            </a:pPr>
+            <a:r>
+              <a:rPr lang="en-US" dirty="0" err="1"/>
+              <a:t>Drivers_bullets</a:t>
+            </a:r>
+            <a:r>
+              <a:rPr lang="en-US" dirty="0"/>
+              <a:t> quick brown fox jumped over the lazy dog yes it did, it jumped right over that lazy dog</a:t>
+            </a:r>
+          </a:p>
+          <a:p>
+            <a:pPr marL="171450" indent="-171450">
+              <a:buFont typeface="Arial" panose="020B0604020202020204" pitchFamily="34" charset="0"/>
+              <a:buChar char="•"/>
+            </a:pPr>
+            <a:r>
+              <a:rPr lang="en-US" dirty="0" err="1"/>
+              <a:t>Drivers_bullets</a:t>
+            </a:r>
+            <a:r>
+              <a:rPr lang="en-US" dirty="0"/>
+              <a:t> quick brown fox jumped over the lazy dog yes it did, it jumped right over that lazy dog</a:t>
+            </a:r>
+          </a:p>
+          <a:p>
+            <a:pPr marL="171450" indent="-171450">
+              <a:buFont typeface="Arial" panose="020B0604020202020204" pitchFamily="34" charset="0"/>
+              <a:buChar char="•"/>
+            </a:pPr>
             <a:endParaRPr lang="en-US" dirty="0"/>
           </a:p>
         </p:txBody>
@@ -1996,7 +2047,12 @@
             <p:ph type="body" sz="quarter" idx="12"/>
           </p:nvPr>
         </p:nvSpPr>
-        <p:spPr/>
+        <p:spPr>
+          <a:xfrm>
+            <a:off x="8085551" y="1488597"/>
+            <a:ext cx="3407728" cy="4402137"/>
+          </a:xfrm>
+        </p:spPr>
         <p:txBody>
           <a:bodyPr/>
           <a:lstStyle/>
@@ -2025,7 +2081,12 @@
             <p:ph type="body" sz="quarter" idx="13"/>
           </p:nvPr>
         </p:nvSpPr>
-        <p:spPr/>
+        <p:spPr>
+          <a:xfrm>
+            <a:off x="4392137" y="1488597"/>
+            <a:ext cx="3407728" cy="4402137"/>
+          </a:xfrm>
+        </p:spPr>
         <p:txBody>
           <a:bodyPr/>
           <a:lstStyle/>
@@ -2048,13 +2109,13 @@
   <p:clrMapOvr>
     <a:masterClrMapping/>
   </p:clrMapOvr>
-  <mc:AlternateContent xmlns:mc="http://schemas.openxmlformats.org/markup-compatibility/2006">
-    <mc:Choice xmlns:p14="http://schemas.microsoft.com/office/powerpoint/2010/main" Requires="p14">
+  <mc:AlternateContent xmlns:mc="http://schemas.openxmlformats.org/markup-compatibility/2006" xmlns:p14="http://schemas.microsoft.com/office/powerpoint/2010/main">
+    <mc:Choice Requires="p14">
       <p:transition spd="med" p14:dur="700">
         <p:fade/>
       </p:transition>
     </mc:Choice>
-    <mc:Fallback>
+    <mc:Fallback xmlns="">
       <p:transition spd="med">
         <p:fade/>
       </p:transition>
@@ -2740,12 +2801,14 @@
 </file>
 
 <file path=customXml/item1.xml><?xml version="1.0" encoding="utf-8"?>
-<?mso-contentType ?>
-<FormTemplates xmlns="http://schemas.microsoft.com/sharepoint/v3/contenttype/forms">
-  <Display>DocumentLibraryForm</Display>
-  <Edit>DocumentLibraryForm</Edit>
-  <New>DocumentLibraryForm</New>
-</FormTemplates>
+<p:properties xmlns:p="http://schemas.microsoft.com/office/2006/metadata/properties" xmlns:xsi="http://www.w3.org/2001/XMLSchema-instance" xmlns:pc="http://schemas.microsoft.com/office/infopath/2007/PartnerControls">
+  <documentManagement>
+    <TaxCatchAll xmlns="9bea065c-4598-471b-a0d8-b208471d6a41" xsi:nil="true"/>
+    <lcf76f155ced4ddcb4097134ff3c332f xmlns="737cdb0d-9f15-48ec-9529-975a91239bb1">
+      <Terms xmlns="http://schemas.microsoft.com/office/infopath/2007/PartnerControls"/>
+    </lcf76f155ced4ddcb4097134ff3c332f>
+  </documentManagement>
+</p:properties>
 </file>
 
 <file path=customXml/item2.xml><?xml version="1.0" encoding="utf-8"?>
@@ -2984,20 +3047,27 @@
 </file>
 
 <file path=customXml/item3.xml><?xml version="1.0" encoding="utf-8"?>
-<p:properties xmlns:p="http://schemas.microsoft.com/office/2006/metadata/properties" xmlns:xsi="http://www.w3.org/2001/XMLSchema-instance" xmlns:pc="http://schemas.microsoft.com/office/infopath/2007/PartnerControls">
-  <documentManagement>
-    <TaxCatchAll xmlns="9bea065c-4598-471b-a0d8-b208471d6a41" xsi:nil="true"/>
-    <lcf76f155ced4ddcb4097134ff3c332f xmlns="737cdb0d-9f15-48ec-9529-975a91239bb1">
-      <Terms xmlns="http://schemas.microsoft.com/office/infopath/2007/PartnerControls"/>
-    </lcf76f155ced4ddcb4097134ff3c332f>
-  </documentManagement>
-</p:properties>
+<?mso-contentType ?>
+<FormTemplates xmlns="http://schemas.microsoft.com/sharepoint/v3/contenttype/forms">
+  <Display>DocumentLibraryForm</Display>
+  <Edit>DocumentLibraryForm</Edit>
+  <New>DocumentLibraryForm</New>
+</FormTemplates>
 </file>
 
 <file path=customXml/itemProps1.xml><?xml version="1.0" encoding="utf-8"?>
-<ds:datastoreItem xmlns:ds="http://schemas.openxmlformats.org/officeDocument/2006/customXml" ds:itemID="{3BB299B6-1159-4940-B296-E198453C8E80}">
+<ds:datastoreItem xmlns:ds="http://schemas.openxmlformats.org/officeDocument/2006/customXml" ds:itemID="{9674E985-4D59-45AB-8970-AD8E2C92CE21}">
   <ds:schemaRefs>
-    <ds:schemaRef ds:uri="http://schemas.microsoft.com/sharepoint/v3/contenttype/forms"/>
+    <ds:schemaRef ds:uri="http://schemas.openxmlformats.org/package/2006/metadata/core-properties"/>
+    <ds:schemaRef ds:uri="http://www.w3.org/XML/1998/namespace"/>
+    <ds:schemaRef ds:uri="http://schemas.microsoft.com/office/2006/documentManagement/types"/>
+    <ds:schemaRef ds:uri="http://purl.org/dc/dcmitype/"/>
+    <ds:schemaRef ds:uri="http://schemas.microsoft.com/office/infopath/2007/PartnerControls"/>
+    <ds:schemaRef ds:uri="http://purl.org/dc/terms/"/>
+    <ds:schemaRef ds:uri="http://purl.org/dc/elements/1.1/"/>
+    <ds:schemaRef ds:uri="9bea065c-4598-471b-a0d8-b208471d6a41"/>
+    <ds:schemaRef ds:uri="737cdb0d-9f15-48ec-9529-975a91239bb1"/>
+    <ds:schemaRef ds:uri="http://schemas.microsoft.com/office/2006/metadata/properties"/>
   </ds:schemaRefs>
 </ds:datastoreItem>
 </file>
@@ -3022,18 +3092,9 @@
 </file>
 
 <file path=customXml/itemProps3.xml><?xml version="1.0" encoding="utf-8"?>
-<ds:datastoreItem xmlns:ds="http://schemas.openxmlformats.org/officeDocument/2006/customXml" ds:itemID="{9674E985-4D59-45AB-8970-AD8E2C92CE21}">
+<ds:datastoreItem xmlns:ds="http://schemas.openxmlformats.org/officeDocument/2006/customXml" ds:itemID="{3BB299B6-1159-4940-B296-E198453C8E80}">
   <ds:schemaRefs>
-    <ds:schemaRef ds:uri="http://schemas.openxmlformats.org/package/2006/metadata/core-properties"/>
-    <ds:schemaRef ds:uri="http://www.w3.org/XML/1998/namespace"/>
-    <ds:schemaRef ds:uri="http://schemas.microsoft.com/office/2006/documentManagement/types"/>
-    <ds:schemaRef ds:uri="http://purl.org/dc/dcmitype/"/>
-    <ds:schemaRef ds:uri="http://schemas.microsoft.com/office/infopath/2007/PartnerControls"/>
-    <ds:schemaRef ds:uri="http://purl.org/dc/terms/"/>
-    <ds:schemaRef ds:uri="http://purl.org/dc/elements/1.1/"/>
-    <ds:schemaRef ds:uri="9bea065c-4598-471b-a0d8-b208471d6a41"/>
-    <ds:schemaRef ds:uri="737cdb0d-9f15-48ec-9529-975a91239bb1"/>
-    <ds:schemaRef ds:uri="http://schemas.microsoft.com/office/2006/metadata/properties"/>
+    <ds:schemaRef ds:uri="http://schemas.microsoft.com/sharepoint/v3/contenttype/forms"/>
   </ds:schemaRefs>
 </ds:datastoreItem>
 </file>
--- a/Drivers_barriers.pptx
+++ b/Drivers_barriers.pptx
@@ -1959,74 +1959,16 @@
             </a:pPr>
             <a:r>
               <a:rPr lang="en-US" dirty="0" err="1"/>
-              <a:t>Drivers_bullets</a:t>
+              <a:t>Drivers</a:t>
             </a:r>
             <a:r>
-              <a:rPr lang="en-US" dirty="0"/>
-              <a:t> quick brown fox jumped over the lazy dog yes it did, it jumped right over that lazy dog</a:t>
-            </a:r>
-          </a:p>
-          <a:p>
-            <a:pPr marL="171450" indent="-171450">
-              <a:buFont typeface="Arial" panose="020B0604020202020204" pitchFamily="34" charset="0"/>
-              <a:buChar char="•"/>
-            </a:pPr>
-            <a:r>
-              <a:rPr lang="en-US" dirty="0" err="1"/>
-              <a:t>Drivers_bullets</a:t>
+              <a:rPr lang="en-US" err="1"/>
+              <a:t>_</a:t>
             </a:r>
             <a:r>
-              <a:rPr lang="en-US" dirty="0"/>
-              <a:t> quick brown fox jumped over the lazy dog yes it did, it jumped right over that lazy dog</a:t>
+              <a:rPr lang="en-US"/>
+              <a:t>bullets</a:t>
             </a:r>
-          </a:p>
-          <a:p>
-            <a:pPr marL="171450" indent="-171450">
-              <a:buFont typeface="Arial" panose="020B0604020202020204" pitchFamily="34" charset="0"/>
-              <a:buChar char="•"/>
-            </a:pPr>
-            <a:r>
-              <a:rPr lang="en-US" dirty="0" err="1"/>
-              <a:t>Drivers_bullets</a:t>
-            </a:r>
-            <a:r>
-              <a:rPr lang="en-US" dirty="0"/>
-              <a:t> quick brown fox jumped over the lazy dog yes it did, it jumped right over that lazy dog</a:t>
-            </a:r>
-          </a:p>
-          <a:p>
-            <a:pPr marL="171450" indent="-171450">
-              <a:buFont typeface="Arial" panose="020B0604020202020204" pitchFamily="34" charset="0"/>
-              <a:buChar char="•"/>
-            </a:pPr>
-            <a:r>
-              <a:rPr lang="en-US" dirty="0" err="1"/>
-              <a:t>Drivers_bullets</a:t>
-            </a:r>
-            <a:r>
-              <a:rPr lang="en-US" dirty="0"/>
-              <a:t> quick brown fox jumped over the lazy dog yes it did, it jumped right over that lazy dog</a:t>
-            </a:r>
-          </a:p>
-          <a:p>
-            <a:pPr marL="171450" indent="-171450">
-              <a:buFont typeface="Arial" panose="020B0604020202020204" pitchFamily="34" charset="0"/>
-              <a:buChar char="•"/>
-            </a:pPr>
-            <a:r>
-              <a:rPr lang="en-US" dirty="0" err="1"/>
-              <a:t>Drivers_bullets</a:t>
-            </a:r>
-            <a:r>
-              <a:rPr lang="en-US" dirty="0"/>
-              <a:t> quick brown fox jumped over the lazy dog yes it did, it jumped right over that lazy dog</a:t>
-            </a:r>
-          </a:p>
-          <a:p>
-            <a:pPr marL="171450" indent="-171450">
-              <a:buFont typeface="Arial" panose="020B0604020202020204" pitchFamily="34" charset="0"/>
-              <a:buChar char="•"/>
-            </a:pPr>
             <a:endParaRPr lang="en-US" dirty="0"/>
           </a:p>
         </p:txBody>
@@ -2812,6 +2754,15 @@
 </file>
 
 <file path=customXml/item2.xml><?xml version="1.0" encoding="utf-8"?>
+<?mso-contentType ?>
+<FormTemplates xmlns="http://schemas.microsoft.com/sharepoint/v3/contenttype/forms">
+  <Display>DocumentLibraryForm</Display>
+  <Edit>DocumentLibraryForm</Edit>
+  <New>DocumentLibraryForm</New>
+</FormTemplates>
+</file>
+
+<file path=customXml/item3.xml><?xml version="1.0" encoding="utf-8"?>
 <ct:contentTypeSchema xmlns:ct="http://schemas.microsoft.com/office/2006/metadata/contentType" xmlns:ma="http://schemas.microsoft.com/office/2006/metadata/properties/metaAttributes" ct:_="" ma:_="" ma:contentTypeName="Document" ma:contentTypeID="0x010100A2CD2B7DD7D5E348A4B5B847AD49C1E4" ma:contentTypeVersion="15" ma:contentTypeDescription="Create a new document." ma:contentTypeScope="" ma:versionID="8e0e392dcf65750e3ad704a59f705fb3">
   <xsd:schema xmlns:xsd="http://www.w3.org/2001/XMLSchema" xmlns:xs="http://www.w3.org/2001/XMLSchema" xmlns:p="http://schemas.microsoft.com/office/2006/metadata/properties" xmlns:ns2="737cdb0d-9f15-48ec-9529-975a91239bb1" xmlns:ns3="9bea065c-4598-471b-a0d8-b208471d6a41" targetNamespace="http://schemas.microsoft.com/office/2006/metadata/properties" ma:root="true" ma:fieldsID="16d7d9ff6e2e2d483fddd166083c89fa" ns2:_="" ns3:_="">
     <xsd:import namespace="737cdb0d-9f15-48ec-9529-975a91239bb1"/>
@@ -3046,15 +2997,6 @@
 </ct:contentTypeSchema>
 </file>
 
-<file path=customXml/item3.xml><?xml version="1.0" encoding="utf-8"?>
-<?mso-contentType ?>
-<FormTemplates xmlns="http://schemas.microsoft.com/sharepoint/v3/contenttype/forms">
-  <Display>DocumentLibraryForm</Display>
-  <Edit>DocumentLibraryForm</Edit>
-  <New>DocumentLibraryForm</New>
-</FormTemplates>
-</file>
-
 <file path=customXml/itemProps1.xml><?xml version="1.0" encoding="utf-8"?>
 <ds:datastoreItem xmlns:ds="http://schemas.openxmlformats.org/officeDocument/2006/customXml" ds:itemID="{9674E985-4D59-45AB-8970-AD8E2C92CE21}">
   <ds:schemaRefs>
@@ -3073,6 +3015,14 @@
 </file>
 
 <file path=customXml/itemProps2.xml><?xml version="1.0" encoding="utf-8"?>
+<ds:datastoreItem xmlns:ds="http://schemas.openxmlformats.org/officeDocument/2006/customXml" ds:itemID="{3BB299B6-1159-4940-B296-E198453C8E80}">
+  <ds:schemaRefs>
+    <ds:schemaRef ds:uri="http://schemas.microsoft.com/sharepoint/v3/contenttype/forms"/>
+  </ds:schemaRefs>
+</ds:datastoreItem>
+</file>
+
+<file path=customXml/itemProps3.xml><?xml version="1.0" encoding="utf-8"?>
 <ds:datastoreItem xmlns:ds="http://schemas.openxmlformats.org/officeDocument/2006/customXml" ds:itemID="{C4D443D4-D2BB-47D9-93BA-F264F5B47780}">
   <ds:schemaRefs>
     <ds:schemaRef ds:uri="737cdb0d-9f15-48ec-9529-975a91239bb1"/>
@@ -3089,12 +3039,4 @@
     <ds:schemaRef ds:uri="http://www.w3.org/2001/XMLSchema"/>
   </ds:schemaRefs>
 </ds:datastoreItem>
-</file>
-
-<file path=customXml/itemProps3.xml><?xml version="1.0" encoding="utf-8"?>
-<ds:datastoreItem xmlns:ds="http://schemas.openxmlformats.org/officeDocument/2006/customXml" ds:itemID="{3BB299B6-1159-4940-B296-E198453C8E80}">
-  <ds:schemaRefs>
-    <ds:schemaRef ds:uri="http://schemas.microsoft.com/sharepoint/v3/contenttype/forms"/>
-  </ds:schemaRefs>
-</ds:datastoreItem>
 </file>
--- a/Drivers_barriers.pptx
+++ b/Drivers_barriers.pptx
@@ -2743,26 +2743,6 @@
 </file>
 
 <file path=customXml/item1.xml><?xml version="1.0" encoding="utf-8"?>
-<p:properties xmlns:p="http://schemas.microsoft.com/office/2006/metadata/properties" xmlns:xsi="http://www.w3.org/2001/XMLSchema-instance" xmlns:pc="http://schemas.microsoft.com/office/infopath/2007/PartnerControls">
-  <documentManagement>
-    <TaxCatchAll xmlns="9bea065c-4598-471b-a0d8-b208471d6a41" xsi:nil="true"/>
-    <lcf76f155ced4ddcb4097134ff3c332f xmlns="737cdb0d-9f15-48ec-9529-975a91239bb1">
-      <Terms xmlns="http://schemas.microsoft.com/office/infopath/2007/PartnerControls"/>
-    </lcf76f155ced4ddcb4097134ff3c332f>
-  </documentManagement>
-</p:properties>
-</file>
-
-<file path=customXml/item2.xml><?xml version="1.0" encoding="utf-8"?>
-<?mso-contentType ?>
-<FormTemplates xmlns="http://schemas.microsoft.com/sharepoint/v3/contenttype/forms">
-  <Display>DocumentLibraryForm</Display>
-  <Edit>DocumentLibraryForm</Edit>
-  <New>DocumentLibraryForm</New>
-</FormTemplates>
-</file>
-
-<file path=customXml/item3.xml><?xml version="1.0" encoding="utf-8"?>
 <ct:contentTypeSchema xmlns:ct="http://schemas.microsoft.com/office/2006/metadata/contentType" xmlns:ma="http://schemas.microsoft.com/office/2006/metadata/properties/metaAttributes" ct:_="" ma:_="" ma:contentTypeName="Document" ma:contentTypeID="0x010100A2CD2B7DD7D5E348A4B5B847AD49C1E4" ma:contentTypeVersion="15" ma:contentTypeDescription="Create a new document." ma:contentTypeScope="" ma:versionID="8e0e392dcf65750e3ad704a59f705fb3">
   <xsd:schema xmlns:xsd="http://www.w3.org/2001/XMLSchema" xmlns:xs="http://www.w3.org/2001/XMLSchema" xmlns:p="http://schemas.microsoft.com/office/2006/metadata/properties" xmlns:ns2="737cdb0d-9f15-48ec-9529-975a91239bb1" xmlns:ns3="9bea065c-4598-471b-a0d8-b208471d6a41" targetNamespace="http://schemas.microsoft.com/office/2006/metadata/properties" ma:root="true" ma:fieldsID="16d7d9ff6e2e2d483fddd166083c89fa" ns2:_="" ns3:_="">
     <xsd:import namespace="737cdb0d-9f15-48ec-9529-975a91239bb1"/>
@@ -2997,32 +2977,27 @@
 </ct:contentTypeSchema>
 </file>
 
-<file path=customXml/itemProps1.xml><?xml version="1.0" encoding="utf-8"?>
-<ds:datastoreItem xmlns:ds="http://schemas.openxmlformats.org/officeDocument/2006/customXml" ds:itemID="{9674E985-4D59-45AB-8970-AD8E2C92CE21}">
-  <ds:schemaRefs>
-    <ds:schemaRef ds:uri="http://schemas.openxmlformats.org/package/2006/metadata/core-properties"/>
-    <ds:schemaRef ds:uri="http://www.w3.org/XML/1998/namespace"/>
-    <ds:schemaRef ds:uri="http://schemas.microsoft.com/office/2006/documentManagement/types"/>
-    <ds:schemaRef ds:uri="http://purl.org/dc/dcmitype/"/>
-    <ds:schemaRef ds:uri="http://schemas.microsoft.com/office/infopath/2007/PartnerControls"/>
-    <ds:schemaRef ds:uri="http://purl.org/dc/terms/"/>
-    <ds:schemaRef ds:uri="http://purl.org/dc/elements/1.1/"/>
-    <ds:schemaRef ds:uri="9bea065c-4598-471b-a0d8-b208471d6a41"/>
-    <ds:schemaRef ds:uri="737cdb0d-9f15-48ec-9529-975a91239bb1"/>
-    <ds:schemaRef ds:uri="http://schemas.microsoft.com/office/2006/metadata/properties"/>
-  </ds:schemaRefs>
-</ds:datastoreItem>
+<file path=customXml/item2.xml><?xml version="1.0" encoding="utf-8"?>
+<?mso-contentType ?>
+<FormTemplates xmlns="http://schemas.microsoft.com/sharepoint/v3/contenttype/forms">
+  <Display>DocumentLibraryForm</Display>
+  <Edit>DocumentLibraryForm</Edit>
+  <New>DocumentLibraryForm</New>
+</FormTemplates>
 </file>
 
-<file path=customXml/itemProps2.xml><?xml version="1.0" encoding="utf-8"?>
-<ds:datastoreItem xmlns:ds="http://schemas.openxmlformats.org/officeDocument/2006/customXml" ds:itemID="{3BB299B6-1159-4940-B296-E198453C8E80}">
-  <ds:schemaRefs>
-    <ds:schemaRef ds:uri="http://schemas.microsoft.com/sharepoint/v3/contenttype/forms"/>
-  </ds:schemaRefs>
-</ds:datastoreItem>
+<file path=customXml/item3.xml><?xml version="1.0" encoding="utf-8"?>
+<p:properties xmlns:p="http://schemas.microsoft.com/office/2006/metadata/properties" xmlns:xsi="http://www.w3.org/2001/XMLSchema-instance" xmlns:pc="http://schemas.microsoft.com/office/infopath/2007/PartnerControls">
+  <documentManagement>
+    <TaxCatchAll xmlns="9bea065c-4598-471b-a0d8-b208471d6a41" xsi:nil="true"/>
+    <lcf76f155ced4ddcb4097134ff3c332f xmlns="737cdb0d-9f15-48ec-9529-975a91239bb1">
+      <Terms xmlns="http://schemas.microsoft.com/office/infopath/2007/PartnerControls"/>
+    </lcf76f155ced4ddcb4097134ff3c332f>
+  </documentManagement>
+</p:properties>
 </file>
 
-<file path=customXml/itemProps3.xml><?xml version="1.0" encoding="utf-8"?>
+<file path=customXml/itemProps1.xml><?xml version="1.0" encoding="utf-8"?>
 <ds:datastoreItem xmlns:ds="http://schemas.openxmlformats.org/officeDocument/2006/customXml" ds:itemID="{C4D443D4-D2BB-47D9-93BA-F264F5B47780}">
   <ds:schemaRefs>
     <ds:schemaRef ds:uri="737cdb0d-9f15-48ec-9529-975a91239bb1"/>
@@ -3039,4 +3014,29 @@
     <ds:schemaRef ds:uri="http://www.w3.org/2001/XMLSchema"/>
   </ds:schemaRefs>
 </ds:datastoreItem>
+</file>
+
+<file path=customXml/itemProps2.xml><?xml version="1.0" encoding="utf-8"?>
+<ds:datastoreItem xmlns:ds="http://schemas.openxmlformats.org/officeDocument/2006/customXml" ds:itemID="{3BB299B6-1159-4940-B296-E198453C8E80}">
+  <ds:schemaRefs>
+    <ds:schemaRef ds:uri="http://schemas.microsoft.com/sharepoint/v3/contenttype/forms"/>
+  </ds:schemaRefs>
+</ds:datastoreItem>
+</file>
+
+<file path=customXml/itemProps3.xml><?xml version="1.0" encoding="utf-8"?>
+<ds:datastoreItem xmlns:ds="http://schemas.openxmlformats.org/officeDocument/2006/customXml" ds:itemID="{9674E985-4D59-45AB-8970-AD8E2C92CE21}">
+  <ds:schemaRefs>
+    <ds:schemaRef ds:uri="http://schemas.openxmlformats.org/package/2006/metadata/core-properties"/>
+    <ds:schemaRef ds:uri="http://www.w3.org/XML/1998/namespace"/>
+    <ds:schemaRef ds:uri="http://schemas.microsoft.com/office/2006/documentManagement/types"/>
+    <ds:schemaRef ds:uri="http://purl.org/dc/dcmitype/"/>
+    <ds:schemaRef ds:uri="http://schemas.microsoft.com/office/infopath/2007/PartnerControls"/>
+    <ds:schemaRef ds:uri="http://purl.org/dc/terms/"/>
+    <ds:schemaRef ds:uri="http://purl.org/dc/elements/1.1/"/>
+    <ds:schemaRef ds:uri="9bea065c-4598-471b-a0d8-b208471d6a41"/>
+    <ds:schemaRef ds:uri="737cdb0d-9f15-48ec-9529-975a91239bb1"/>
+    <ds:schemaRef ds:uri="http://schemas.microsoft.com/office/2006/metadata/properties"/>
+  </ds:schemaRefs>
+</ds:datastoreItem>
 </file>
--- a/Drivers_barriers.pptx
+++ b/Drivers_barriers.pptx
@@ -8,7 +8,7 @@
     <p:notesMasterId r:id="rId6"/>
   </p:notesMasterIdLst>
   <p:sldIdLst>
-    <p:sldId id="263" r:id="rId5"/>
+    <p:sldId id="264" r:id="rId5"/>
   </p:sldIdLst>
   <p:sldSz cx="12192000" cy="6858000"/>
   <p:notesSz cx="6858000" cy="9144000"/>
@@ -484,61 +484,6 @@
       </p:grpSpPr>
       <p:sp>
         <p:nvSpPr>
-          <p:cNvPr id="11" name="Text Placeholder 7">
-            <a:extLst>
-              <a:ext uri="{FF2B5EF4-FFF2-40B4-BE49-F238E27FC236}">
-                <a16:creationId xmlns:a16="http://schemas.microsoft.com/office/drawing/2014/main" id="{AE579C71-4A73-6F43-98B1-27C1FC3045B9}"/>
-              </a:ext>
-            </a:extLst>
-          </p:cNvPr>
-          <p:cNvSpPr>
-            <a:spLocks noGrp="1"/>
-          </p:cNvSpPr>
-          <p:nvPr>
-            <p:ph type="body" sz="quarter" idx="10"/>
-          </p:nvPr>
-        </p:nvSpPr>
-        <p:spPr>
-          <a:xfrm>
-            <a:off x="632460" y="0"/>
-            <a:ext cx="10927080" cy="518086"/>
-          </a:xfrm>
-          <a:prstGeom prst="rect">
-            <a:avLst/>
-          </a:prstGeom>
-        </p:spPr>
-        <p:txBody>
-          <a:bodyPr anchor="b">
-            <a:normAutofit/>
-          </a:bodyPr>
-          <a:lstStyle>
-            <a:lvl1pPr algn="l">
-              <a:lnSpc>
-                <a:spcPct val="100000"/>
-              </a:lnSpc>
-              <a:buNone/>
-              <a:defRPr sz="1600" spc="0" baseline="0">
-                <a:solidFill>
-                  <a:schemeClr val="accent2"/>
-                </a:solidFill>
-              </a:defRPr>
-            </a:lvl1pPr>
-            <a:lvl2pPr>
-              <a:buNone/>
-              <a:defRPr/>
-            </a:lvl2pPr>
-          </a:lstStyle>
-          <a:p>
-            <a:pPr lvl="0"/>
-            <a:r>
-              <a:rPr lang="en-GB"/>
-              <a:t>Click to edit Master text styles</a:t>
-            </a:r>
-          </a:p>
-        </p:txBody>
-      </p:sp>
-      <p:sp>
-        <p:nvSpPr>
           <p:cNvPr id="4" name="Title 1">
             <a:extLst>
               <a:ext uri="{FF2B5EF4-FFF2-40B4-BE49-F238E27FC236}">
@@ -555,7 +500,7 @@
         </p:nvSpPr>
         <p:spPr>
           <a:xfrm>
-            <a:off x="632460" y="580136"/>
+            <a:off x="632460" y="122935"/>
             <a:ext cx="10927080" cy="731520"/>
           </a:xfrm>
           <a:prstGeom prst="rect">
@@ -1895,10 +1840,10 @@
       </p:grpSpPr>
       <p:sp>
         <p:nvSpPr>
-          <p:cNvPr id="3" name="Title 2">
+          <p:cNvPr id="2" name="Title 1">
             <a:extLst>
               <a:ext uri="{FF2B5EF4-FFF2-40B4-BE49-F238E27FC236}">
-                <a16:creationId xmlns:a16="http://schemas.microsoft.com/office/drawing/2014/main" id="{25E84DC5-EF74-94AA-F49C-EF8707BF5171}"/>
+                <a16:creationId xmlns:a16="http://schemas.microsoft.com/office/drawing/2014/main" id="{F60EA070-F272-8E32-C4BF-D7706FF2DF3A}"/>
               </a:ext>
             </a:extLst>
           </p:cNvPr>
@@ -1909,12 +1854,7 @@
             <p:ph type="title"/>
           </p:nvPr>
         </p:nvSpPr>
-        <p:spPr>
-          <a:xfrm>
-            <a:off x="632460" y="63302"/>
-            <a:ext cx="10927080" cy="731520"/>
-          </a:xfrm>
-        </p:spPr>
+        <p:spPr/>
         <p:txBody>
           <a:bodyPr/>
           <a:lstStyle/>
@@ -1929,10 +1869,10 @@
       </p:sp>
       <p:sp>
         <p:nvSpPr>
-          <p:cNvPr id="4" name="Text Placeholder 3">
+          <p:cNvPr id="3" name="Text Placeholder 2">
             <a:extLst>
               <a:ext uri="{FF2B5EF4-FFF2-40B4-BE49-F238E27FC236}">
-                <a16:creationId xmlns:a16="http://schemas.microsoft.com/office/drawing/2014/main" id="{EBBECD1A-81AE-3667-984F-46F8F8336CBE}"/>
+                <a16:creationId xmlns:a16="http://schemas.microsoft.com/office/drawing/2014/main" id="{B3D5A3BA-70E7-8D2D-C8D7-56881EBEA654}"/>
               </a:ext>
             </a:extLst>
           </p:cNvPr>
@@ -1945,7 +1885,7 @@
         </p:nvSpPr>
         <p:spPr>
           <a:xfrm>
-            <a:off x="741405" y="1488597"/>
+            <a:off x="741405" y="1501849"/>
             <a:ext cx="3298783" cy="4402137"/>
           </a:xfrm>
         </p:spPr>
@@ -1953,21 +1893,9 @@
           <a:bodyPr/>
           <a:lstStyle/>
           <a:p>
-            <a:pPr marL="171450" indent="-171450">
-              <a:buFont typeface="Arial" panose="020B0604020202020204" pitchFamily="34" charset="0"/>
-              <a:buChar char="•"/>
-            </a:pPr>
             <a:r>
               <a:rPr lang="en-US" dirty="0" err="1"/>
-              <a:t>Drivers</a:t>
-            </a:r>
-            <a:r>
-              <a:rPr lang="en-US" err="1"/>
-              <a:t>_</a:t>
-            </a:r>
-            <a:r>
-              <a:rPr lang="en-US"/>
-              <a:t>bullets</a:t>
+              <a:t>Drivers_bullets</a:t>
             </a:r>
             <a:endParaRPr lang="en-US" dirty="0"/>
           </a:p>
@@ -1975,10 +1903,10 @@
       </p:sp>
       <p:sp>
         <p:nvSpPr>
-          <p:cNvPr id="5" name="Text Placeholder 4">
+          <p:cNvPr id="4" name="Text Placeholder 3">
             <a:extLst>
               <a:ext uri="{FF2B5EF4-FFF2-40B4-BE49-F238E27FC236}">
-                <a16:creationId xmlns:a16="http://schemas.microsoft.com/office/drawing/2014/main" id="{9B45C264-0266-CF80-F884-D8AD3AA4CF69}"/>
+                <a16:creationId xmlns:a16="http://schemas.microsoft.com/office/drawing/2014/main" id="{CC9EDFEF-4508-E2EE-A236-1DD4F6250F82}"/>
               </a:ext>
             </a:extLst>
           </p:cNvPr>
@@ -1991,7 +1919,7 @@
         </p:nvSpPr>
         <p:spPr>
           <a:xfrm>
-            <a:off x="8085551" y="1488597"/>
+            <a:off x="8085551" y="1501849"/>
             <a:ext cx="3407728" cy="4402137"/>
           </a:xfrm>
         </p:spPr>
@@ -2009,10 +1937,10 @@
       </p:sp>
       <p:sp>
         <p:nvSpPr>
-          <p:cNvPr id="6" name="Text Placeholder 5">
+          <p:cNvPr id="5" name="Text Placeholder 4">
             <a:extLst>
               <a:ext uri="{FF2B5EF4-FFF2-40B4-BE49-F238E27FC236}">
-                <a16:creationId xmlns:a16="http://schemas.microsoft.com/office/drawing/2014/main" id="{920A9775-E09C-239D-3445-B9E01C3B8401}"/>
+                <a16:creationId xmlns:a16="http://schemas.microsoft.com/office/drawing/2014/main" id="{11E14103-96DB-F92B-87A6-18CA880549CC}"/>
               </a:ext>
             </a:extLst>
           </p:cNvPr>
@@ -2025,7 +1953,7 @@
         </p:nvSpPr>
         <p:spPr>
           <a:xfrm>
-            <a:off x="4392137" y="1488597"/>
+            <a:off x="4392137" y="1501849"/>
             <a:ext cx="3407728" cy="4402137"/>
           </a:xfrm>
         </p:spPr>
@@ -2044,7 +1972,7 @@
     </p:spTree>
     <p:extLst>
       <p:ext uri="{BB962C8B-B14F-4D97-AF65-F5344CB8AC3E}">
-        <p14:creationId xmlns:p14="http://schemas.microsoft.com/office/powerpoint/2010/main" val="1048762584"/>
+        <p14:creationId xmlns:p14="http://schemas.microsoft.com/office/powerpoint/2010/main" val="3933869257"/>
       </p:ext>
     </p:extLst>
   </p:cSld>
